--- a/Apresentacao_Angular_HTTP_Requests.pptx
+++ b/Apresentacao_Angular_HTTP_Requests.pptx
@@ -5,7 +5,7 @@
     <p:sldMasterId id="2147483654" r:id="rId1"/>
   </p:sldMasterIdLst>
   <p:notesMasterIdLst>
-    <p:notesMasterId r:id="rId10"/>
+    <p:notesMasterId r:id="rId8"/>
   </p:notesMasterIdLst>
   <p:sldIdLst>
     <p:sldId id="256" r:id="rId2"/>
@@ -13,26 +13,24 @@
     <p:sldId id="258" r:id="rId4"/>
     <p:sldId id="261" r:id="rId5"/>
     <p:sldId id="274" r:id="rId6"/>
-    <p:sldId id="275" r:id="rId7"/>
-    <p:sldId id="276" r:id="rId8"/>
-    <p:sldId id="260" r:id="rId9"/>
+    <p:sldId id="260" r:id="rId7"/>
   </p:sldIdLst>
   <p:sldSz cx="9144000" cy="5143500" type="screen16x9"/>
   <p:notesSz cx="6858000" cy="9144000"/>
   <p:embeddedFontLst>
     <p:embeddedFont>
       <p:font typeface="Roboto" panose="02000000000000000000" pitchFamily="2" charset="0"/>
-      <p:regular r:id="rId11"/>
-      <p:bold r:id="rId12"/>
-      <p:italic r:id="rId13"/>
-      <p:boldItalic r:id="rId14"/>
+      <p:regular r:id="rId9"/>
+      <p:bold r:id="rId10"/>
+      <p:italic r:id="rId11"/>
+      <p:boldItalic r:id="rId12"/>
     </p:embeddedFont>
     <p:embeddedFont>
       <p:font typeface="Roboto Light" panose="02000000000000000000" pitchFamily="2" charset="0"/>
-      <p:regular r:id="rId15"/>
-      <p:bold r:id="rId16"/>
-      <p:italic r:id="rId17"/>
-      <p:boldItalic r:id="rId18"/>
+      <p:regular r:id="rId13"/>
+      <p:bold r:id="rId14"/>
+      <p:italic r:id="rId15"/>
+      <p:boldItalic r:id="rId16"/>
     </p:embeddedFont>
   </p:embeddedFontLst>
   <p:defaultTextStyle>
@@ -1270,232 +1268,6 @@
 </file>
 
 <file path=ppt/notesSlides/notesSlide6.xml><?xml version="1.0" encoding="utf-8"?>
-<p:notes xmlns:a="http://schemas.openxmlformats.org/drawingml/2006/main" xmlns:r="http://schemas.openxmlformats.org/officeDocument/2006/relationships" xmlns:p="http://schemas.openxmlformats.org/presentationml/2006/main" showMasterSp="0" showMasterPhAnim="0">
-  <p:cSld>
-    <p:spTree>
-      <p:nvGrpSpPr>
-        <p:cNvPr id="1" name="Shape 66"/>
-        <p:cNvGrpSpPr/>
-        <p:nvPr/>
-      </p:nvGrpSpPr>
-      <p:grpSpPr>
-        <a:xfrm>
-          <a:off x="0" y="0"/>
-          <a:ext cx="0" cy="0"/>
-          <a:chOff x="0" y="0"/>
-          <a:chExt cx="0" cy="0"/>
-        </a:xfrm>
-      </p:grpSpPr>
-      <p:sp>
-        <p:nvSpPr>
-          <p:cNvPr id="67" name="Google Shape;67;gd8e9b03fd4_0_15:notes"/>
-          <p:cNvSpPr>
-            <a:spLocks noGrp="1" noRot="1" noChangeAspect="1"/>
-          </p:cNvSpPr>
-          <p:nvPr>
-            <p:ph type="sldImg" idx="2"/>
-          </p:nvPr>
-        </p:nvSpPr>
-        <p:spPr>
-          <a:xfrm>
-            <a:off x="381000" y="685800"/>
-            <a:ext cx="6096000" cy="3429000"/>
-          </a:xfrm>
-          <a:custGeom>
-            <a:avLst/>
-            <a:gdLst/>
-            <a:ahLst/>
-            <a:cxnLst/>
-            <a:rect l="l" t="t" r="r" b="b"/>
-            <a:pathLst>
-              <a:path w="120000" h="120000" extrusionOk="0">
-                <a:moveTo>
-                  <a:pt x="0" y="0"/>
-                </a:moveTo>
-                <a:lnTo>
-                  <a:pt x="120000" y="0"/>
-                </a:lnTo>
-                <a:lnTo>
-                  <a:pt x="120000" y="120000"/>
-                </a:lnTo>
-                <a:lnTo>
-                  <a:pt x="0" y="120000"/>
-                </a:lnTo>
-                <a:close/>
-              </a:path>
-            </a:pathLst>
-          </a:custGeom>
-        </p:spPr>
-      </p:sp>
-      <p:sp>
-        <p:nvSpPr>
-          <p:cNvPr id="68" name="Google Shape;68;gd8e9b03fd4_0_15:notes"/>
-          <p:cNvSpPr txBox="1">
-            <a:spLocks noGrp="1"/>
-          </p:cNvSpPr>
-          <p:nvPr>
-            <p:ph type="body" idx="1"/>
-          </p:nvPr>
-        </p:nvSpPr>
-        <p:spPr>
-          <a:xfrm>
-            <a:off x="685800" y="4343400"/>
-            <a:ext cx="5486400" cy="4114800"/>
-          </a:xfrm>
-          <a:prstGeom prst="rect">
-            <a:avLst/>
-          </a:prstGeom>
-        </p:spPr>
-        <p:txBody>
-          <a:bodyPr spcFirstLastPara="1" wrap="square" lIns="91425" tIns="91425" rIns="91425" bIns="91425" anchor="t" anchorCtr="0">
-            <a:noAutofit/>
-          </a:bodyPr>
-          <a:lstStyle/>
-          <a:p>
-            <a:pPr marL="0" lvl="0" indent="0" algn="l" rtl="0">
-              <a:spcBef>
-                <a:spcPts val="0"/>
-              </a:spcBef>
-              <a:spcAft>
-                <a:spcPts val="0"/>
-              </a:spcAft>
-              <a:buNone/>
-            </a:pPr>
-            <a:r>
-              <a:rPr lang="pt-BR"/>
-              <a:t>Objetivo: informar à audiência o que é necessário para melhor aproveitamento do conteúdo.</a:t>
-            </a:r>
-            <a:endParaRPr/>
-          </a:p>
-        </p:txBody>
-      </p:sp>
-    </p:spTree>
-    <p:extLst>
-      <p:ext uri="{BB962C8B-B14F-4D97-AF65-F5344CB8AC3E}">
-        <p14:creationId xmlns:p14="http://schemas.microsoft.com/office/powerpoint/2010/main" val="1609477544"/>
-      </p:ext>
-    </p:extLst>
-  </p:cSld>
-  <p:clrMapOvr>
-    <a:masterClrMapping/>
-  </p:clrMapOvr>
-</p:notes>
-</file>
-
-<file path=ppt/notesSlides/notesSlide7.xml><?xml version="1.0" encoding="utf-8"?>
-<p:notes xmlns:a="http://schemas.openxmlformats.org/drawingml/2006/main" xmlns:r="http://schemas.openxmlformats.org/officeDocument/2006/relationships" xmlns:p="http://schemas.openxmlformats.org/presentationml/2006/main" showMasterSp="0" showMasterPhAnim="0">
-  <p:cSld>
-    <p:spTree>
-      <p:nvGrpSpPr>
-        <p:cNvPr id="1" name="Shape 66"/>
-        <p:cNvGrpSpPr/>
-        <p:nvPr/>
-      </p:nvGrpSpPr>
-      <p:grpSpPr>
-        <a:xfrm>
-          <a:off x="0" y="0"/>
-          <a:ext cx="0" cy="0"/>
-          <a:chOff x="0" y="0"/>
-          <a:chExt cx="0" cy="0"/>
-        </a:xfrm>
-      </p:grpSpPr>
-      <p:sp>
-        <p:nvSpPr>
-          <p:cNvPr id="67" name="Google Shape;67;gd8e9b03fd4_0_15:notes"/>
-          <p:cNvSpPr>
-            <a:spLocks noGrp="1" noRot="1" noChangeAspect="1"/>
-          </p:cNvSpPr>
-          <p:nvPr>
-            <p:ph type="sldImg" idx="2"/>
-          </p:nvPr>
-        </p:nvSpPr>
-        <p:spPr>
-          <a:xfrm>
-            <a:off x="381000" y="685800"/>
-            <a:ext cx="6096000" cy="3429000"/>
-          </a:xfrm>
-          <a:custGeom>
-            <a:avLst/>
-            <a:gdLst/>
-            <a:ahLst/>
-            <a:cxnLst/>
-            <a:rect l="l" t="t" r="r" b="b"/>
-            <a:pathLst>
-              <a:path w="120000" h="120000" extrusionOk="0">
-                <a:moveTo>
-                  <a:pt x="0" y="0"/>
-                </a:moveTo>
-                <a:lnTo>
-                  <a:pt x="120000" y="0"/>
-                </a:lnTo>
-                <a:lnTo>
-                  <a:pt x="120000" y="120000"/>
-                </a:lnTo>
-                <a:lnTo>
-                  <a:pt x="0" y="120000"/>
-                </a:lnTo>
-                <a:close/>
-              </a:path>
-            </a:pathLst>
-          </a:custGeom>
-        </p:spPr>
-      </p:sp>
-      <p:sp>
-        <p:nvSpPr>
-          <p:cNvPr id="68" name="Google Shape;68;gd8e9b03fd4_0_15:notes"/>
-          <p:cNvSpPr txBox="1">
-            <a:spLocks noGrp="1"/>
-          </p:cNvSpPr>
-          <p:nvPr>
-            <p:ph type="body" idx="1"/>
-          </p:nvPr>
-        </p:nvSpPr>
-        <p:spPr>
-          <a:xfrm>
-            <a:off x="685800" y="4343400"/>
-            <a:ext cx="5486400" cy="4114800"/>
-          </a:xfrm>
-          <a:prstGeom prst="rect">
-            <a:avLst/>
-          </a:prstGeom>
-        </p:spPr>
-        <p:txBody>
-          <a:bodyPr spcFirstLastPara="1" wrap="square" lIns="91425" tIns="91425" rIns="91425" bIns="91425" anchor="t" anchorCtr="0">
-            <a:noAutofit/>
-          </a:bodyPr>
-          <a:lstStyle/>
-          <a:p>
-            <a:pPr marL="0" lvl="0" indent="0" algn="l" rtl="0">
-              <a:spcBef>
-                <a:spcPts val="0"/>
-              </a:spcBef>
-              <a:spcAft>
-                <a:spcPts val="0"/>
-              </a:spcAft>
-              <a:buNone/>
-            </a:pPr>
-            <a:r>
-              <a:rPr lang="pt-BR"/>
-              <a:t>Objetivo: informar à audiência o que é necessário para melhor aproveitamento do conteúdo.</a:t>
-            </a:r>
-            <a:endParaRPr/>
-          </a:p>
-        </p:txBody>
-      </p:sp>
-    </p:spTree>
-    <p:extLst>
-      <p:ext uri="{BB962C8B-B14F-4D97-AF65-F5344CB8AC3E}">
-        <p14:creationId xmlns:p14="http://schemas.microsoft.com/office/powerpoint/2010/main" val="4072100017"/>
-      </p:ext>
-    </p:extLst>
-  </p:cSld>
-  <p:clrMapOvr>
-    <a:masterClrMapping/>
-  </p:clrMapOvr>
-</p:notes>
-</file>
-
-<file path=ppt/notesSlides/notesSlide8.xml><?xml version="1.0" encoding="utf-8"?>
 <p:notes xmlns:a="http://schemas.openxmlformats.org/drawingml/2006/main" xmlns:r="http://schemas.openxmlformats.org/officeDocument/2006/relationships" xmlns:p="http://schemas.openxmlformats.org/presentationml/2006/main" showMasterSp="0" showMasterPhAnim="0">
   <p:cSld>
     <p:spTree>
@@ -5359,7 +5131,7 @@
             </a:pPr>
             <a:r>
               <a:rPr lang="pt-BR" dirty="0"/>
-              <a:t>Criando o projeto com a CLI do Angular</a:t>
+              <a:t>Configurando o projeto</a:t>
             </a:r>
           </a:p>
         </p:txBody>
@@ -5408,7 +5180,7 @@
                   <a:schemeClr val="bg1"/>
                 </a:solidFill>
               </a:rPr>
-              <a:t>Para criarmos nossa aplicação em Angular, precisamos abrir nosso terminal no local desejado e inserir o seguinte comando:</a:t>
+              <a:t>Para esta aula, utilizaremos uma aplicação Angular como base do nosso projeto. Precisamos abrir nosso terminal no local desejado e clonar o seguinte projeto:</a:t>
             </a:r>
           </a:p>
           <a:p>
@@ -5432,7 +5204,7 @@
                   </a:extLst>
                 </a:hlinkClick>
               </a:rPr>
-              <a:t>https://github.com/rocketseat-experts-club/angular-crud-modules-2021-09-15</a:t>
+              <a:t>https://github.com/rocketseat-experts-club/angular-http-requests-2021-10-11/tree/template</a:t>
             </a:r>
             <a:endParaRPr lang="pt-BR" b="0" dirty="0">
               <a:solidFill>
@@ -5460,7 +5232,7 @@
                   <a:schemeClr val="bg1"/>
                 </a:solidFill>
               </a:rPr>
-              <a:t>Após clonar o projeto em sua máquina, vamos instalar as dependências utilizadas nessa aula, sendo elas:</a:t>
+              <a:t>Após clonado em sua máquina, é necessário instalar as dependências utilizadas em aula, sendo elas:</a:t>
             </a:r>
           </a:p>
           <a:p>
@@ -5666,1130 +5438,6 @@
 </file>
 
 <file path=ppt/slides/slide6.xml><?xml version="1.0" encoding="utf-8"?>
-<p:sld xmlns:a="http://schemas.openxmlformats.org/drawingml/2006/main" xmlns:r="http://schemas.openxmlformats.org/officeDocument/2006/relationships" xmlns:p="http://schemas.openxmlformats.org/presentationml/2006/main">
-  <p:cSld>
-    <p:spTree>
-      <p:nvGrpSpPr>
-        <p:cNvPr id="1" name="Shape 69"/>
-        <p:cNvGrpSpPr/>
-        <p:nvPr/>
-      </p:nvGrpSpPr>
-      <p:grpSpPr>
-        <a:xfrm>
-          <a:off x="0" y="0"/>
-          <a:ext cx="0" cy="0"/>
-          <a:chOff x="0" y="0"/>
-          <a:chExt cx="0" cy="0"/>
-        </a:xfrm>
-      </p:grpSpPr>
-      <p:sp>
-        <p:nvSpPr>
-          <p:cNvPr id="70" name="Google Shape;70;p13"/>
-          <p:cNvSpPr txBox="1">
-            <a:spLocks noGrp="1"/>
-          </p:cNvSpPr>
-          <p:nvPr>
-            <p:ph type="title"/>
-          </p:nvPr>
-        </p:nvSpPr>
-        <p:spPr>
-          <a:xfrm>
-            <a:off x="585300" y="180625"/>
-            <a:ext cx="8247000" cy="572700"/>
-          </a:xfrm>
-          <a:prstGeom prst="rect">
-            <a:avLst/>
-          </a:prstGeom>
-        </p:spPr>
-        <p:txBody>
-          <a:bodyPr spcFirstLastPara="1" wrap="square" lIns="91425" tIns="91425" rIns="91425" bIns="91425" anchor="t" anchorCtr="0">
-            <a:normAutofit/>
-          </a:bodyPr>
-          <a:lstStyle/>
-          <a:p>
-            <a:pPr marL="0" lvl="0" indent="0" algn="l" rtl="0">
-              <a:spcBef>
-                <a:spcPts val="0"/>
-              </a:spcBef>
-              <a:spcAft>
-                <a:spcPts val="0"/>
-              </a:spcAft>
-              <a:buNone/>
-            </a:pPr>
-            <a:r>
-              <a:rPr lang="pt-BR" dirty="0"/>
-              <a:t>Criando o projeto com a CLI do Angular</a:t>
-            </a:r>
-          </a:p>
-        </p:txBody>
-      </p:sp>
-      <p:sp>
-        <p:nvSpPr>
-          <p:cNvPr id="71" name="Google Shape;71;p13"/>
-          <p:cNvSpPr txBox="1">
-            <a:spLocks noGrp="1"/>
-          </p:cNvSpPr>
-          <p:nvPr>
-            <p:ph type="body" idx="1"/>
-          </p:nvPr>
-        </p:nvSpPr>
-        <p:spPr>
-          <a:xfrm>
-            <a:off x="585300" y="833718"/>
-            <a:ext cx="8247000" cy="4182035"/>
-          </a:xfrm>
-          <a:prstGeom prst="rect">
-            <a:avLst/>
-          </a:prstGeom>
-        </p:spPr>
-        <p:txBody>
-          <a:bodyPr spcFirstLastPara="1" wrap="square" lIns="91425" tIns="91425" rIns="91425" bIns="91425" anchor="t" anchorCtr="0">
-            <a:normAutofit/>
-          </a:bodyPr>
-          <a:lstStyle/>
-          <a:p>
-            <a:pPr marL="457200" lvl="0" indent="-342900" algn="l" rtl="0">
-              <a:lnSpc>
-                <a:spcPct val="150000"/>
-              </a:lnSpc>
-              <a:spcBef>
-                <a:spcPts val="0"/>
-              </a:spcBef>
-              <a:spcAft>
-                <a:spcPts val="0"/>
-              </a:spcAft>
-              <a:buSzPts val="1800"/>
-              <a:buChar char="●"/>
-            </a:pPr>
-            <a:r>
-              <a:rPr lang="pt-BR" b="0" dirty="0">
-                <a:solidFill>
-                  <a:schemeClr val="bg1"/>
-                </a:solidFill>
-              </a:rPr>
-              <a:t>Com as dependências instaladas, iremos começar criando os módulos da nossa aplicação:</a:t>
-            </a:r>
-          </a:p>
-          <a:p>
-            <a:pPr lvl="1" indent="-342900">
-              <a:lnSpc>
-                <a:spcPct val="150000"/>
-              </a:lnSpc>
-              <a:buSzPts val="1800"/>
-              <a:buChar char="●"/>
-            </a:pPr>
-            <a:r>
-              <a:rPr lang="pt-BR" b="0" dirty="0" err="1">
-                <a:solidFill>
-                  <a:srgbClr val="D73628"/>
-                </a:solidFill>
-              </a:rPr>
-              <a:t>ng</a:t>
-            </a:r>
-            <a:r>
-              <a:rPr lang="pt-BR" b="0" dirty="0">
-                <a:solidFill>
-                  <a:srgbClr val="D73628"/>
-                </a:solidFill>
-              </a:rPr>
-              <a:t> g module core</a:t>
-            </a:r>
-          </a:p>
-          <a:p>
-            <a:pPr lvl="1" indent="-342900">
-              <a:lnSpc>
-                <a:spcPct val="150000"/>
-              </a:lnSpc>
-              <a:buSzPts val="1800"/>
-              <a:buChar char="●"/>
-            </a:pPr>
-            <a:r>
-              <a:rPr lang="pt-BR" b="0" dirty="0" err="1">
-                <a:solidFill>
-                  <a:srgbClr val="D73628"/>
-                </a:solidFill>
-              </a:rPr>
-              <a:t>ng</a:t>
-            </a:r>
-            <a:r>
-              <a:rPr lang="pt-BR" b="0" dirty="0">
-                <a:solidFill>
-                  <a:srgbClr val="D73628"/>
-                </a:solidFill>
-              </a:rPr>
-              <a:t> g module </a:t>
-            </a:r>
-            <a:r>
-              <a:rPr lang="pt-BR" b="0" dirty="0" err="1">
-                <a:solidFill>
-                  <a:srgbClr val="D73628"/>
-                </a:solidFill>
-              </a:rPr>
-              <a:t>shared</a:t>
-            </a:r>
-            <a:endParaRPr lang="pt-BR" b="0" dirty="0">
-              <a:solidFill>
-                <a:srgbClr val="D73628"/>
-              </a:solidFill>
-            </a:endParaRPr>
-          </a:p>
-          <a:p>
-            <a:pPr lvl="1" indent="-342900">
-              <a:lnSpc>
-                <a:spcPct val="150000"/>
-              </a:lnSpc>
-              <a:buSzPts val="1800"/>
-              <a:buChar char="●"/>
-            </a:pPr>
-            <a:r>
-              <a:rPr lang="pt-BR" b="0" dirty="0" err="1">
-                <a:solidFill>
-                  <a:srgbClr val="D73628"/>
-                </a:solidFill>
-              </a:rPr>
-              <a:t>mkdir</a:t>
-            </a:r>
-            <a:r>
-              <a:rPr lang="pt-BR" b="0" dirty="0">
-                <a:solidFill>
-                  <a:srgbClr val="D73628"/>
-                </a:solidFill>
-              </a:rPr>
-              <a:t> </a:t>
-            </a:r>
-            <a:r>
-              <a:rPr lang="pt-BR" b="0" dirty="0" err="1">
-                <a:solidFill>
-                  <a:srgbClr val="D73628"/>
-                </a:solidFill>
-              </a:rPr>
-              <a:t>src</a:t>
-            </a:r>
-            <a:r>
-              <a:rPr lang="pt-BR" b="0" dirty="0">
-                <a:solidFill>
-                  <a:srgbClr val="D73628"/>
-                </a:solidFill>
-              </a:rPr>
-              <a:t>/app/</a:t>
-            </a:r>
-            <a:r>
-              <a:rPr lang="pt-BR" b="0" dirty="0" err="1">
-                <a:solidFill>
-                  <a:srgbClr val="D73628"/>
-                </a:solidFill>
-              </a:rPr>
-              <a:t>features</a:t>
-            </a:r>
-            <a:endParaRPr lang="pt-BR" b="0" dirty="0">
-              <a:solidFill>
-                <a:srgbClr val="D73628"/>
-              </a:solidFill>
-            </a:endParaRPr>
-          </a:p>
-          <a:p>
-            <a:pPr lvl="2" indent="-342900">
-              <a:lnSpc>
-                <a:spcPct val="150000"/>
-              </a:lnSpc>
-              <a:buSzPts val="1800"/>
-              <a:buChar char="●"/>
-            </a:pPr>
-            <a:r>
-              <a:rPr lang="pt-BR" b="0" dirty="0">
-                <a:solidFill>
-                  <a:schemeClr val="bg1"/>
-                </a:solidFill>
-              </a:rPr>
-              <a:t>Os módulos de funcionalidade serão criados dentro dessa pasta para manter uma melhor organização do código</a:t>
-            </a:r>
-          </a:p>
-          <a:p>
-            <a:pPr marL="457200" lvl="0" indent="-342900" algn="l" rtl="0">
-              <a:lnSpc>
-                <a:spcPct val="150000"/>
-              </a:lnSpc>
-              <a:spcBef>
-                <a:spcPts val="0"/>
-              </a:spcBef>
-              <a:spcAft>
-                <a:spcPts val="0"/>
-              </a:spcAft>
-              <a:buSzPts val="1800"/>
-              <a:buChar char="●"/>
-            </a:pPr>
-            <a:r>
-              <a:rPr lang="pt-BR" b="0" dirty="0">
-                <a:solidFill>
-                  <a:schemeClr val="bg1"/>
-                </a:solidFill>
-              </a:rPr>
-              <a:t>Agora precisamos criar o cabeçalho que será utilizado em toda a nossa aplicação e que precisará ser carregado juntamente com o módulo principal </a:t>
-            </a:r>
-            <a:r>
-              <a:rPr lang="pt-BR" b="0" dirty="0" err="1">
-                <a:solidFill>
-                  <a:schemeClr val="bg1"/>
-                </a:solidFill>
-              </a:rPr>
-              <a:t>AppModule</a:t>
-            </a:r>
-            <a:r>
-              <a:rPr lang="pt-BR" b="0" dirty="0">
-                <a:solidFill>
-                  <a:schemeClr val="bg1"/>
-                </a:solidFill>
-              </a:rPr>
-              <a:t>:</a:t>
-            </a:r>
-          </a:p>
-          <a:p>
-            <a:pPr lvl="1" indent="-342900">
-              <a:lnSpc>
-                <a:spcPct val="150000"/>
-              </a:lnSpc>
-              <a:buSzPts val="1800"/>
-              <a:buChar char="●"/>
-            </a:pPr>
-            <a:r>
-              <a:rPr lang="pt-BR" dirty="0" err="1">
-                <a:solidFill>
-                  <a:srgbClr val="D73628"/>
-                </a:solidFill>
-              </a:rPr>
-              <a:t>ng</a:t>
-            </a:r>
-            <a:r>
-              <a:rPr lang="pt-BR" dirty="0">
-                <a:solidFill>
-                  <a:srgbClr val="D73628"/>
-                </a:solidFill>
-              </a:rPr>
-              <a:t> </a:t>
-            </a:r>
-            <a:r>
-              <a:rPr lang="pt-BR" dirty="0" err="1">
-                <a:solidFill>
-                  <a:srgbClr val="D73628"/>
-                </a:solidFill>
-              </a:rPr>
-              <a:t>generate</a:t>
-            </a:r>
-            <a:r>
-              <a:rPr lang="pt-BR" dirty="0">
-                <a:solidFill>
-                  <a:srgbClr val="D73628"/>
-                </a:solidFill>
-              </a:rPr>
-              <a:t> </a:t>
-            </a:r>
-            <a:r>
-              <a:rPr lang="pt-BR" dirty="0" err="1">
-                <a:solidFill>
-                  <a:srgbClr val="D73628"/>
-                </a:solidFill>
-              </a:rPr>
-              <a:t>component</a:t>
-            </a:r>
-            <a:r>
-              <a:rPr lang="pt-BR" dirty="0">
-                <a:solidFill>
-                  <a:srgbClr val="D73628"/>
-                </a:solidFill>
-              </a:rPr>
-              <a:t> core/layout/header</a:t>
-            </a:r>
-          </a:p>
-        </p:txBody>
-      </p:sp>
-    </p:spTree>
-    <p:extLst>
-      <p:ext uri="{BB962C8B-B14F-4D97-AF65-F5344CB8AC3E}">
-        <p14:creationId xmlns:p14="http://schemas.microsoft.com/office/powerpoint/2010/main" val="3822810266"/>
-      </p:ext>
-    </p:extLst>
-  </p:cSld>
-  <p:clrMapOvr>
-    <a:masterClrMapping/>
-  </p:clrMapOvr>
-</p:sld>
-</file>
-
-<file path=ppt/slides/slide7.xml><?xml version="1.0" encoding="utf-8"?>
-<p:sld xmlns:a="http://schemas.openxmlformats.org/drawingml/2006/main" xmlns:r="http://schemas.openxmlformats.org/officeDocument/2006/relationships" xmlns:p="http://schemas.openxmlformats.org/presentationml/2006/main">
-  <p:cSld>
-    <p:spTree>
-      <p:nvGrpSpPr>
-        <p:cNvPr id="1" name="Shape 69"/>
-        <p:cNvGrpSpPr/>
-        <p:nvPr/>
-      </p:nvGrpSpPr>
-      <p:grpSpPr>
-        <a:xfrm>
-          <a:off x="0" y="0"/>
-          <a:ext cx="0" cy="0"/>
-          <a:chOff x="0" y="0"/>
-          <a:chExt cx="0" cy="0"/>
-        </a:xfrm>
-      </p:grpSpPr>
-      <p:sp>
-        <p:nvSpPr>
-          <p:cNvPr id="70" name="Google Shape;70;p13"/>
-          <p:cNvSpPr txBox="1">
-            <a:spLocks noGrp="1"/>
-          </p:cNvSpPr>
-          <p:nvPr>
-            <p:ph type="title"/>
-          </p:nvPr>
-        </p:nvSpPr>
-        <p:spPr>
-          <a:xfrm>
-            <a:off x="585300" y="180625"/>
-            <a:ext cx="8247000" cy="572700"/>
-          </a:xfrm>
-          <a:prstGeom prst="rect">
-            <a:avLst/>
-          </a:prstGeom>
-        </p:spPr>
-        <p:txBody>
-          <a:bodyPr spcFirstLastPara="1" wrap="square" lIns="91425" tIns="91425" rIns="91425" bIns="91425" anchor="t" anchorCtr="0">
-            <a:normAutofit/>
-          </a:bodyPr>
-          <a:lstStyle/>
-          <a:p>
-            <a:pPr marL="0" lvl="0" indent="0" algn="l" rtl="0">
-              <a:spcBef>
-                <a:spcPts val="0"/>
-              </a:spcBef>
-              <a:spcAft>
-                <a:spcPts val="0"/>
-              </a:spcAft>
-              <a:buNone/>
-            </a:pPr>
-            <a:r>
-              <a:rPr lang="pt-BR" dirty="0"/>
-              <a:t>Criando o projeto com a CLI do Angular</a:t>
-            </a:r>
-          </a:p>
-        </p:txBody>
-      </p:sp>
-      <p:sp>
-        <p:nvSpPr>
-          <p:cNvPr id="71" name="Google Shape;71;p13"/>
-          <p:cNvSpPr txBox="1">
-            <a:spLocks noGrp="1"/>
-          </p:cNvSpPr>
-          <p:nvPr>
-            <p:ph type="body" idx="1"/>
-          </p:nvPr>
-        </p:nvSpPr>
-        <p:spPr>
-          <a:xfrm>
-            <a:off x="585300" y="833718"/>
-            <a:ext cx="8247000" cy="4309782"/>
-          </a:xfrm>
-          <a:prstGeom prst="rect">
-            <a:avLst/>
-          </a:prstGeom>
-        </p:spPr>
-        <p:txBody>
-          <a:bodyPr spcFirstLastPara="1" wrap="square" lIns="91425" tIns="91425" rIns="91425" bIns="91425" anchor="t" anchorCtr="0">
-            <a:normAutofit lnSpcReduction="10000"/>
-          </a:bodyPr>
-          <a:lstStyle/>
-          <a:p>
-            <a:pPr marL="457200" lvl="0" indent="-342900" algn="l" rtl="0">
-              <a:lnSpc>
-                <a:spcPct val="150000"/>
-              </a:lnSpc>
-              <a:spcBef>
-                <a:spcPts val="0"/>
-              </a:spcBef>
-              <a:spcAft>
-                <a:spcPts val="0"/>
-              </a:spcAft>
-              <a:buSzPts val="1800"/>
-              <a:buChar char="●"/>
-            </a:pPr>
-            <a:r>
-              <a:rPr lang="pt-BR" b="0" dirty="0">
-                <a:solidFill>
-                  <a:schemeClr val="bg1"/>
-                </a:solidFill>
-              </a:rPr>
-              <a:t>Depois de configurados todos os principais módulos da aplicação, iremos criar o módulo responsável por toda a funcionalidade de “</a:t>
-            </a:r>
-            <a:r>
-              <a:rPr lang="pt-BR" b="0" dirty="0" err="1">
-                <a:solidFill>
-                  <a:schemeClr val="bg1"/>
-                </a:solidFill>
-              </a:rPr>
-              <a:t>students</a:t>
-            </a:r>
-            <a:r>
-              <a:rPr lang="pt-BR" b="0" dirty="0">
-                <a:solidFill>
-                  <a:schemeClr val="bg1"/>
-                </a:solidFill>
-              </a:rPr>
-              <a:t>”, juntamente com seus respectivos componentes.</a:t>
-            </a:r>
-          </a:p>
-          <a:p>
-            <a:pPr lvl="1" indent="-342900">
-              <a:lnSpc>
-                <a:spcPct val="150000"/>
-              </a:lnSpc>
-              <a:buSzPts val="1800"/>
-              <a:buChar char="●"/>
-            </a:pPr>
-            <a:r>
-              <a:rPr lang="pt-BR" b="0" dirty="0" err="1">
-                <a:solidFill>
-                  <a:srgbClr val="D73628"/>
-                </a:solidFill>
-              </a:rPr>
-              <a:t>ng</a:t>
-            </a:r>
-            <a:r>
-              <a:rPr lang="pt-BR" b="0" dirty="0">
-                <a:solidFill>
-                  <a:srgbClr val="D73628"/>
-                </a:solidFill>
-              </a:rPr>
-              <a:t> </a:t>
-            </a:r>
-            <a:r>
-              <a:rPr lang="pt-BR" b="0" dirty="0" err="1">
-                <a:solidFill>
-                  <a:srgbClr val="D73628"/>
-                </a:solidFill>
-              </a:rPr>
-              <a:t>generate</a:t>
-            </a:r>
-            <a:r>
-              <a:rPr lang="pt-BR" b="0" dirty="0">
-                <a:solidFill>
-                  <a:srgbClr val="D73628"/>
-                </a:solidFill>
-              </a:rPr>
-              <a:t> module </a:t>
-            </a:r>
-            <a:r>
-              <a:rPr lang="pt-BR" b="0" dirty="0" err="1">
-                <a:solidFill>
-                  <a:srgbClr val="D73628"/>
-                </a:solidFill>
-              </a:rPr>
-              <a:t>features</a:t>
-            </a:r>
-            <a:r>
-              <a:rPr lang="pt-BR" b="0" dirty="0">
-                <a:solidFill>
-                  <a:srgbClr val="D73628"/>
-                </a:solidFill>
-              </a:rPr>
-              <a:t>/</a:t>
-            </a:r>
-            <a:r>
-              <a:rPr lang="pt-BR" b="0" dirty="0" err="1">
-                <a:solidFill>
-                  <a:srgbClr val="D73628"/>
-                </a:solidFill>
-              </a:rPr>
-              <a:t>students</a:t>
-            </a:r>
-            <a:r>
-              <a:rPr lang="pt-BR" b="0" dirty="0">
-                <a:solidFill>
-                  <a:srgbClr val="D73628"/>
-                </a:solidFill>
-              </a:rPr>
-              <a:t> –</a:t>
-            </a:r>
-            <a:r>
-              <a:rPr lang="pt-BR" b="0" dirty="0" err="1">
-                <a:solidFill>
-                  <a:srgbClr val="D73628"/>
-                </a:solidFill>
-              </a:rPr>
-              <a:t>routing</a:t>
-            </a:r>
-            <a:endParaRPr lang="pt-BR" b="0" dirty="0">
-              <a:solidFill>
-                <a:srgbClr val="D73628"/>
-              </a:solidFill>
-            </a:endParaRPr>
-          </a:p>
-          <a:p>
-            <a:pPr lvl="1" indent="-342900">
-              <a:lnSpc>
-                <a:spcPct val="150000"/>
-              </a:lnSpc>
-              <a:buSzPts val="1800"/>
-              <a:buChar char="●"/>
-            </a:pPr>
-            <a:r>
-              <a:rPr lang="pt-BR" b="0" dirty="0" err="1">
-                <a:solidFill>
-                  <a:srgbClr val="D73628"/>
-                </a:solidFill>
-              </a:rPr>
-              <a:t>ng</a:t>
-            </a:r>
-            <a:r>
-              <a:rPr lang="pt-BR" b="0" dirty="0">
-                <a:solidFill>
-                  <a:srgbClr val="D73628"/>
-                </a:solidFill>
-              </a:rPr>
-              <a:t> </a:t>
-            </a:r>
-            <a:r>
-              <a:rPr lang="pt-BR" b="0" dirty="0" err="1">
-                <a:solidFill>
-                  <a:srgbClr val="D73628"/>
-                </a:solidFill>
-              </a:rPr>
-              <a:t>generate</a:t>
-            </a:r>
-            <a:r>
-              <a:rPr lang="pt-BR" b="0" dirty="0">
-                <a:solidFill>
-                  <a:srgbClr val="D73628"/>
-                </a:solidFill>
-              </a:rPr>
-              <a:t> </a:t>
-            </a:r>
-            <a:r>
-              <a:rPr lang="pt-BR" b="0" dirty="0" err="1">
-                <a:solidFill>
-                  <a:srgbClr val="D73628"/>
-                </a:solidFill>
-              </a:rPr>
-              <a:t>component</a:t>
-            </a:r>
-            <a:r>
-              <a:rPr lang="pt-BR" b="0" dirty="0">
-                <a:solidFill>
-                  <a:srgbClr val="D73628"/>
-                </a:solidFill>
-              </a:rPr>
-              <a:t> </a:t>
-            </a:r>
-            <a:r>
-              <a:rPr lang="pt-BR" b="0" dirty="0" err="1">
-                <a:solidFill>
-                  <a:srgbClr val="D73628"/>
-                </a:solidFill>
-              </a:rPr>
-              <a:t>features</a:t>
-            </a:r>
-            <a:r>
-              <a:rPr lang="pt-BR" b="0" dirty="0">
-                <a:solidFill>
-                  <a:srgbClr val="D73628"/>
-                </a:solidFill>
-              </a:rPr>
-              <a:t>/</a:t>
-            </a:r>
-            <a:r>
-              <a:rPr lang="pt-BR" b="0" dirty="0" err="1">
-                <a:solidFill>
-                  <a:srgbClr val="D73628"/>
-                </a:solidFill>
-              </a:rPr>
-              <a:t>students</a:t>
-            </a:r>
-            <a:r>
-              <a:rPr lang="pt-BR" b="0" dirty="0">
-                <a:solidFill>
-                  <a:srgbClr val="D73628"/>
-                </a:solidFill>
-              </a:rPr>
-              <a:t>/</a:t>
-            </a:r>
-            <a:r>
-              <a:rPr lang="pt-BR" b="0" dirty="0" err="1">
-                <a:solidFill>
-                  <a:srgbClr val="D73628"/>
-                </a:solidFill>
-              </a:rPr>
-              <a:t>student-list</a:t>
-            </a:r>
-            <a:endParaRPr lang="pt-BR" b="0" dirty="0">
-              <a:solidFill>
-                <a:srgbClr val="D73628"/>
-              </a:solidFill>
-            </a:endParaRPr>
-          </a:p>
-          <a:p>
-            <a:pPr lvl="1" indent="-342900">
-              <a:lnSpc>
-                <a:spcPct val="150000"/>
-              </a:lnSpc>
-              <a:buSzPts val="1800"/>
-              <a:buChar char="●"/>
-            </a:pPr>
-            <a:r>
-              <a:rPr lang="pt-BR" b="0" dirty="0" err="1">
-                <a:solidFill>
-                  <a:srgbClr val="D73628"/>
-                </a:solidFill>
-              </a:rPr>
-              <a:t>ng</a:t>
-            </a:r>
-            <a:r>
-              <a:rPr lang="pt-BR" b="0" dirty="0">
-                <a:solidFill>
-                  <a:srgbClr val="D73628"/>
-                </a:solidFill>
-              </a:rPr>
-              <a:t> </a:t>
-            </a:r>
-            <a:r>
-              <a:rPr lang="pt-BR" b="0" dirty="0" err="1">
-                <a:solidFill>
-                  <a:srgbClr val="D73628"/>
-                </a:solidFill>
-              </a:rPr>
-              <a:t>generate</a:t>
-            </a:r>
-            <a:r>
-              <a:rPr lang="pt-BR" b="0" dirty="0">
-                <a:solidFill>
-                  <a:srgbClr val="D73628"/>
-                </a:solidFill>
-              </a:rPr>
-              <a:t> </a:t>
-            </a:r>
-            <a:r>
-              <a:rPr lang="pt-BR" b="0" dirty="0" err="1">
-                <a:solidFill>
-                  <a:srgbClr val="D73628"/>
-                </a:solidFill>
-              </a:rPr>
-              <a:t>component</a:t>
-            </a:r>
-            <a:r>
-              <a:rPr lang="pt-BR" b="0" dirty="0">
-                <a:solidFill>
-                  <a:srgbClr val="D73628"/>
-                </a:solidFill>
-              </a:rPr>
-              <a:t> </a:t>
-            </a:r>
-            <a:r>
-              <a:rPr lang="pt-BR" b="0" dirty="0" err="1">
-                <a:solidFill>
-                  <a:srgbClr val="D73628"/>
-                </a:solidFill>
-              </a:rPr>
-              <a:t>features</a:t>
-            </a:r>
-            <a:r>
-              <a:rPr lang="pt-BR" b="0" dirty="0">
-                <a:solidFill>
-                  <a:srgbClr val="D73628"/>
-                </a:solidFill>
-              </a:rPr>
-              <a:t>/</a:t>
-            </a:r>
-            <a:r>
-              <a:rPr lang="pt-BR" b="0" dirty="0" err="1">
-                <a:solidFill>
-                  <a:srgbClr val="D73628"/>
-                </a:solidFill>
-              </a:rPr>
-              <a:t>students</a:t>
-            </a:r>
-            <a:r>
-              <a:rPr lang="pt-BR" b="0" dirty="0">
-                <a:solidFill>
-                  <a:srgbClr val="D73628"/>
-                </a:solidFill>
-              </a:rPr>
-              <a:t>/</a:t>
-            </a:r>
-            <a:r>
-              <a:rPr lang="pt-BR" b="0" dirty="0" err="1">
-                <a:solidFill>
-                  <a:srgbClr val="D73628"/>
-                </a:solidFill>
-              </a:rPr>
-              <a:t>student-edit</a:t>
-            </a:r>
-            <a:endParaRPr lang="pt-BR" b="0" dirty="0">
-              <a:solidFill>
-                <a:srgbClr val="D73628"/>
-              </a:solidFill>
-            </a:endParaRPr>
-          </a:p>
-          <a:p>
-            <a:pPr lvl="1" indent="-342900">
-              <a:lnSpc>
-                <a:spcPct val="150000"/>
-              </a:lnSpc>
-              <a:buSzPts val="1800"/>
-              <a:buChar char="●"/>
-            </a:pPr>
-            <a:r>
-              <a:rPr lang="pt-BR" b="0" dirty="0" err="1">
-                <a:solidFill>
-                  <a:srgbClr val="D73628"/>
-                </a:solidFill>
-              </a:rPr>
-              <a:t>ng</a:t>
-            </a:r>
-            <a:r>
-              <a:rPr lang="pt-BR" b="0" dirty="0">
-                <a:solidFill>
-                  <a:srgbClr val="D73628"/>
-                </a:solidFill>
-              </a:rPr>
-              <a:t> </a:t>
-            </a:r>
-            <a:r>
-              <a:rPr lang="pt-BR" b="0" dirty="0" err="1">
-                <a:solidFill>
-                  <a:srgbClr val="D73628"/>
-                </a:solidFill>
-              </a:rPr>
-              <a:t>generate</a:t>
-            </a:r>
-            <a:r>
-              <a:rPr lang="pt-BR" b="0" dirty="0">
-                <a:solidFill>
-                  <a:srgbClr val="D73628"/>
-                </a:solidFill>
-              </a:rPr>
-              <a:t> </a:t>
-            </a:r>
-            <a:r>
-              <a:rPr lang="pt-BR" b="0" dirty="0" err="1">
-                <a:solidFill>
-                  <a:srgbClr val="D73628"/>
-                </a:solidFill>
-              </a:rPr>
-              <a:t>component</a:t>
-            </a:r>
-            <a:r>
-              <a:rPr lang="pt-BR" b="0" dirty="0">
-                <a:solidFill>
-                  <a:srgbClr val="D73628"/>
-                </a:solidFill>
-              </a:rPr>
-              <a:t> </a:t>
-            </a:r>
-            <a:r>
-              <a:rPr lang="pt-BR" b="0" dirty="0" err="1">
-                <a:solidFill>
-                  <a:srgbClr val="D73628"/>
-                </a:solidFill>
-              </a:rPr>
-              <a:t>features</a:t>
-            </a:r>
-            <a:r>
-              <a:rPr lang="pt-BR" b="0" dirty="0">
-                <a:solidFill>
-                  <a:srgbClr val="D73628"/>
-                </a:solidFill>
-              </a:rPr>
-              <a:t>/</a:t>
-            </a:r>
-            <a:r>
-              <a:rPr lang="pt-BR" b="0" dirty="0" err="1">
-                <a:solidFill>
-                  <a:srgbClr val="D73628"/>
-                </a:solidFill>
-              </a:rPr>
-              <a:t>students</a:t>
-            </a:r>
-            <a:r>
-              <a:rPr lang="pt-BR" b="0" dirty="0">
-                <a:solidFill>
-                  <a:srgbClr val="D73628"/>
-                </a:solidFill>
-              </a:rPr>
-              <a:t>/</a:t>
-            </a:r>
-            <a:r>
-              <a:rPr lang="pt-BR" b="0" dirty="0" err="1">
-                <a:solidFill>
-                  <a:srgbClr val="D73628"/>
-                </a:solidFill>
-              </a:rPr>
-              <a:t>student</a:t>
-            </a:r>
-            <a:r>
-              <a:rPr lang="pt-BR" b="0" dirty="0">
-                <a:solidFill>
-                  <a:srgbClr val="D73628"/>
-                </a:solidFill>
-              </a:rPr>
-              <a:t>-new</a:t>
-            </a:r>
-          </a:p>
-          <a:p>
-            <a:pPr marL="457200" lvl="0" indent="-342900" algn="l" rtl="0">
-              <a:lnSpc>
-                <a:spcPct val="150000"/>
-              </a:lnSpc>
-              <a:spcBef>
-                <a:spcPts val="0"/>
-              </a:spcBef>
-              <a:spcAft>
-                <a:spcPts val="0"/>
-              </a:spcAft>
-              <a:buSzPts val="1800"/>
-              <a:buChar char="●"/>
-            </a:pPr>
-            <a:r>
-              <a:rPr lang="pt-BR" b="0" dirty="0">
-                <a:solidFill>
-                  <a:schemeClr val="bg1"/>
-                </a:solidFill>
-              </a:rPr>
-              <a:t>Para finalizar nossa estrutura e código base para ser utilizado em aula, criaremos o modelo que representará o aluno (</a:t>
-            </a:r>
-            <a:r>
-              <a:rPr lang="pt-BR" b="0" dirty="0" err="1">
-                <a:solidFill>
-                  <a:schemeClr val="bg1"/>
-                </a:solidFill>
-              </a:rPr>
-              <a:t>student</a:t>
-            </a:r>
-            <a:r>
-              <a:rPr lang="pt-BR" b="0" dirty="0">
-                <a:solidFill>
-                  <a:schemeClr val="bg1"/>
-                </a:solidFill>
-              </a:rPr>
-              <a:t>) e seu respectivo serviço:</a:t>
-            </a:r>
-          </a:p>
-          <a:p>
-            <a:pPr lvl="1" indent="-342900">
-              <a:lnSpc>
-                <a:spcPct val="150000"/>
-              </a:lnSpc>
-              <a:buSzPts val="1800"/>
-              <a:buChar char="●"/>
-            </a:pPr>
-            <a:r>
-              <a:rPr lang="pt-BR" b="0" dirty="0" err="1">
-                <a:solidFill>
-                  <a:srgbClr val="D73628"/>
-                </a:solidFill>
-              </a:rPr>
-              <a:t>ng</a:t>
-            </a:r>
-            <a:r>
-              <a:rPr lang="pt-BR" b="0" dirty="0">
-                <a:solidFill>
-                  <a:srgbClr val="D73628"/>
-                </a:solidFill>
-              </a:rPr>
-              <a:t> </a:t>
-            </a:r>
-            <a:r>
-              <a:rPr lang="pt-BR" b="0" dirty="0" err="1">
-                <a:solidFill>
-                  <a:srgbClr val="D73628"/>
-                </a:solidFill>
-              </a:rPr>
-              <a:t>generate</a:t>
-            </a:r>
-            <a:r>
-              <a:rPr lang="pt-BR" b="0" dirty="0">
-                <a:solidFill>
-                  <a:srgbClr val="D73628"/>
-                </a:solidFill>
-              </a:rPr>
-              <a:t> </a:t>
-            </a:r>
-            <a:r>
-              <a:rPr lang="pt-BR" b="0" dirty="0" err="1">
-                <a:solidFill>
-                  <a:srgbClr val="D73628"/>
-                </a:solidFill>
-              </a:rPr>
-              <a:t>class</a:t>
-            </a:r>
-            <a:r>
-              <a:rPr lang="pt-BR" b="0" dirty="0">
-                <a:solidFill>
-                  <a:srgbClr val="D73628"/>
-                </a:solidFill>
-              </a:rPr>
-              <a:t> </a:t>
-            </a:r>
-            <a:r>
-              <a:rPr lang="pt-BR" b="0" dirty="0" err="1">
-                <a:solidFill>
-                  <a:srgbClr val="D73628"/>
-                </a:solidFill>
-              </a:rPr>
-              <a:t>features</a:t>
-            </a:r>
-            <a:r>
-              <a:rPr lang="pt-BR" b="0" dirty="0">
-                <a:solidFill>
-                  <a:srgbClr val="D73628"/>
-                </a:solidFill>
-              </a:rPr>
-              <a:t>/</a:t>
-            </a:r>
-            <a:r>
-              <a:rPr lang="pt-BR" b="0" dirty="0" err="1">
-                <a:solidFill>
-                  <a:srgbClr val="D73628"/>
-                </a:solidFill>
-              </a:rPr>
-              <a:t>students</a:t>
-            </a:r>
-            <a:r>
-              <a:rPr lang="pt-BR" b="0" dirty="0">
-                <a:solidFill>
-                  <a:srgbClr val="D73628"/>
-                </a:solidFill>
-              </a:rPr>
-              <a:t>/</a:t>
-            </a:r>
-            <a:r>
-              <a:rPr lang="pt-BR" b="0" dirty="0" err="1">
-                <a:solidFill>
-                  <a:srgbClr val="D73628"/>
-                </a:solidFill>
-              </a:rPr>
-              <a:t>student</a:t>
-            </a:r>
-            <a:endParaRPr lang="pt-BR" b="0" dirty="0">
-              <a:solidFill>
-                <a:srgbClr val="D73628"/>
-              </a:solidFill>
-            </a:endParaRPr>
-          </a:p>
-          <a:p>
-            <a:pPr lvl="1" indent="-342900">
-              <a:lnSpc>
-                <a:spcPct val="150000"/>
-              </a:lnSpc>
-              <a:buSzPts val="1800"/>
-              <a:buChar char="●"/>
-            </a:pPr>
-            <a:r>
-              <a:rPr lang="pt-BR" b="0" dirty="0" err="1">
-                <a:solidFill>
-                  <a:srgbClr val="D73628"/>
-                </a:solidFill>
-              </a:rPr>
-              <a:t>ng</a:t>
-            </a:r>
-            <a:r>
-              <a:rPr lang="pt-BR" b="0" dirty="0">
-                <a:solidFill>
-                  <a:srgbClr val="D73628"/>
-                </a:solidFill>
-              </a:rPr>
-              <a:t> </a:t>
-            </a:r>
-            <a:r>
-              <a:rPr lang="pt-BR" b="0" dirty="0" err="1">
-                <a:solidFill>
-                  <a:srgbClr val="D73628"/>
-                </a:solidFill>
-              </a:rPr>
-              <a:t>generate</a:t>
-            </a:r>
-            <a:r>
-              <a:rPr lang="pt-BR" b="0" dirty="0">
-                <a:solidFill>
-                  <a:srgbClr val="D73628"/>
-                </a:solidFill>
-              </a:rPr>
-              <a:t> </a:t>
-            </a:r>
-            <a:r>
-              <a:rPr lang="pt-BR" b="0" dirty="0" err="1">
-                <a:solidFill>
-                  <a:srgbClr val="D73628"/>
-                </a:solidFill>
-              </a:rPr>
-              <a:t>service</a:t>
-            </a:r>
-            <a:r>
-              <a:rPr lang="pt-BR" b="0" dirty="0">
-                <a:solidFill>
-                  <a:srgbClr val="D73628"/>
-                </a:solidFill>
-              </a:rPr>
-              <a:t> </a:t>
-            </a:r>
-            <a:r>
-              <a:rPr lang="pt-BR" b="0" dirty="0" err="1">
-                <a:solidFill>
-                  <a:srgbClr val="D73628"/>
-                </a:solidFill>
-              </a:rPr>
-              <a:t>features</a:t>
-            </a:r>
-            <a:r>
-              <a:rPr lang="pt-BR" b="0" dirty="0">
-                <a:solidFill>
-                  <a:srgbClr val="D73628"/>
-                </a:solidFill>
-              </a:rPr>
-              <a:t>/</a:t>
-            </a:r>
-            <a:r>
-              <a:rPr lang="pt-BR" b="0" dirty="0" err="1">
-                <a:solidFill>
-                  <a:srgbClr val="D73628"/>
-                </a:solidFill>
-              </a:rPr>
-              <a:t>students</a:t>
-            </a:r>
-            <a:r>
-              <a:rPr lang="pt-BR" b="0" dirty="0">
-                <a:solidFill>
-                  <a:srgbClr val="D73628"/>
-                </a:solidFill>
-              </a:rPr>
-              <a:t>/</a:t>
-            </a:r>
-            <a:r>
-              <a:rPr lang="pt-BR" b="0" dirty="0" err="1">
-                <a:solidFill>
-                  <a:srgbClr val="D73628"/>
-                </a:solidFill>
-              </a:rPr>
-              <a:t>students</a:t>
-            </a:r>
-            <a:endParaRPr lang="pt-BR" b="0" dirty="0">
-              <a:solidFill>
-                <a:srgbClr val="D73628"/>
-              </a:solidFill>
-            </a:endParaRPr>
-          </a:p>
-        </p:txBody>
-      </p:sp>
-    </p:spTree>
-    <p:extLst>
-      <p:ext uri="{BB962C8B-B14F-4D97-AF65-F5344CB8AC3E}">
-        <p14:creationId xmlns:p14="http://schemas.microsoft.com/office/powerpoint/2010/main" val="2394023314"/>
-      </p:ext>
-    </p:extLst>
-  </p:cSld>
-  <p:clrMapOvr>
-    <a:masterClrMapping/>
-  </p:clrMapOvr>
-</p:sld>
-</file>
-
-<file path=ppt/slides/slide8.xml><?xml version="1.0" encoding="utf-8"?>
 <p:sld xmlns:a="http://schemas.openxmlformats.org/drawingml/2006/main" xmlns:r="http://schemas.openxmlformats.org/officeDocument/2006/relationships" xmlns:p="http://schemas.openxmlformats.org/presentationml/2006/main">
   <p:cSld>
     <p:spTree>

--- a/Apresentacao_Angular_HTTP_Requests.pptx
+++ b/Apresentacao_Angular_HTTP_Requests.pptx
@@ -3985,7 +3985,7 @@
             </a:pPr>
             <a:r>
               <a:rPr lang="pt-BR" dirty="0"/>
-              <a:t>11/10/2021</a:t>
+              <a:t>13/10/2021</a:t>
             </a:r>
             <a:endParaRPr dirty="0"/>
           </a:p>
@@ -4157,27 +4157,20 @@
             </a:pPr>
             <a:r>
               <a:rPr lang="pt-BR" dirty="0"/>
-              <a:t>Sobre a aula e o que será entregue no final;</a:t>
+              <a:t>Requisitos, ambiente e recursos;</a:t>
             </a:r>
           </a:p>
           <a:p>
-            <a:pPr marL="457200" lvl="0" indent="-342900" algn="l" rtl="0">
+            <a:pPr>
               <a:lnSpc>
                 <a:spcPct val="150000"/>
               </a:lnSpc>
-              <a:spcBef>
-                <a:spcPts val="0"/>
-              </a:spcBef>
-              <a:spcAft>
-                <a:spcPts val="0"/>
-              </a:spcAft>
-              <a:buSzPts val="1800"/>
-              <a:buChar char="●"/>
             </a:pPr>
             <a:r>
-              <a:rPr lang="pt-BR" dirty="0"/>
-              <a:t>Requisitos, ambiente e recursos;</a:t>
-            </a:r>
+              <a:rPr lang="pt-BR"/>
+              <a:t>Sobre a aula e o que será entregue no final;</a:t>
+            </a:r>
+            <a:endParaRPr lang="pt-BR" dirty="0"/>
           </a:p>
           <a:p>
             <a:pPr marL="457200" lvl="0" indent="-342900" algn="l" rtl="0">
@@ -5204,7 +5197,7 @@
                   </a:extLst>
                 </a:hlinkClick>
               </a:rPr>
-              <a:t>https://github.com/rocketseat-experts-club/angular-http-requests-2021-10-11/tree/template</a:t>
+              <a:t>https://github.com/rocketseat-experts-club/angular-http-requests-2021-10-13/tree/template</a:t>
             </a:r>
             <a:endParaRPr lang="pt-BR" b="0" dirty="0">
               <a:solidFill>
